--- a/Workbook/Proposal Power Point.pptx
+++ b/Workbook/Proposal Power Point.pptx
@@ -15,10 +15,9 @@
     <p:sldId id="262" r:id="rId9"/>
     <p:sldId id="263" r:id="rId10"/>
     <p:sldId id="264" r:id="rId11"/>
-    <p:sldId id="265" r:id="rId12"/>
   </p:sldIdLst>
   <p:sldSz cx="9144000" cy="6858000" type="screen4x3"/>
-  <p:notesSz cx="6858000" cy="9144000"/>
+  <p:notesSz cx="7077075" cy="9363075"/>
   <p:defaultTextStyle>
     <a:defPPr>
       <a:defRPr lang="en-US"/>
@@ -1319,6 +1318,13 @@
         </dgm:presLayoutVars>
       </dgm:prSet>
       <dgm:spPr/>
+      <dgm:t>
+        <a:bodyPr/>
+        <a:lstStyle/>
+        <a:p>
+          <a:endParaRPr lang="en-US"/>
+        </a:p>
+      </dgm:t>
     </dgm:pt>
     <dgm:pt modelId="{B9D26612-BE0D-4929-B0A2-6F9AC8566BF3}" type="pres">
       <dgm:prSet presAssocID="{0437D58C-1D74-4655-9547-2C56C423C2DD}" presName="parentLin" presStyleCnt="0"/>
@@ -1327,6 +1333,13 @@
     <dgm:pt modelId="{7E36FD82-5044-426D-9136-FBDEC057AF79}" type="pres">
       <dgm:prSet presAssocID="{0437D58C-1D74-4655-9547-2C56C423C2DD}" presName="parentLeftMargin" presStyleLbl="node1" presStyleIdx="0" presStyleCnt="8"/>
       <dgm:spPr/>
+      <dgm:t>
+        <a:bodyPr/>
+        <a:lstStyle/>
+        <a:p>
+          <a:endParaRPr lang="en-US"/>
+        </a:p>
+      </dgm:t>
     </dgm:pt>
     <dgm:pt modelId="{C647923A-0B11-40B0-B178-551FA8C1977E}" type="pres">
       <dgm:prSet presAssocID="{0437D58C-1D74-4655-9547-2C56C423C2DD}" presName="parentText" presStyleLbl="node1" presStyleIdx="0" presStyleCnt="8">
@@ -1381,6 +1394,13 @@
     <dgm:pt modelId="{C7BB50E6-8D08-4748-9D65-831B1482B1C7}" type="pres">
       <dgm:prSet presAssocID="{6101EC56-97C6-4308-A45C-FE7A5F7786F0}" presName="parentLeftMargin" presStyleLbl="node1" presStyleIdx="0" presStyleCnt="8"/>
       <dgm:spPr/>
+      <dgm:t>
+        <a:bodyPr/>
+        <a:lstStyle/>
+        <a:p>
+          <a:endParaRPr lang="en-US"/>
+        </a:p>
+      </dgm:t>
     </dgm:pt>
     <dgm:pt modelId="{5D687138-8AE4-4C27-BBE0-E4D4295A86BD}" type="pres">
       <dgm:prSet presAssocID="{6101EC56-97C6-4308-A45C-FE7A5F7786F0}" presName="parentText" presStyleLbl="node1" presStyleIdx="1" presStyleCnt="8">
@@ -1390,6 +1410,13 @@
         </dgm:presLayoutVars>
       </dgm:prSet>
       <dgm:spPr/>
+      <dgm:t>
+        <a:bodyPr/>
+        <a:lstStyle/>
+        <a:p>
+          <a:endParaRPr lang="en-US"/>
+        </a:p>
+      </dgm:t>
     </dgm:pt>
     <dgm:pt modelId="{E31176AE-F07A-4F9F-831E-DB28472E4D4E}" type="pres">
       <dgm:prSet presAssocID="{6101EC56-97C6-4308-A45C-FE7A5F7786F0}" presName="negativeSpace" presStyleCnt="0"/>
@@ -1428,6 +1455,13 @@
     <dgm:pt modelId="{8DB03941-139C-49AA-91F5-B5374B31F162}" type="pres">
       <dgm:prSet presAssocID="{19EC3A80-6145-4484-A953-3387DB218F0B}" presName="parentLeftMargin" presStyleLbl="node1" presStyleIdx="1" presStyleCnt="8"/>
       <dgm:spPr/>
+      <dgm:t>
+        <a:bodyPr/>
+        <a:lstStyle/>
+        <a:p>
+          <a:endParaRPr lang="en-US"/>
+        </a:p>
+      </dgm:t>
     </dgm:pt>
     <dgm:pt modelId="{446CCD7A-FC10-4159-B46E-3C922ED7138B}" type="pres">
       <dgm:prSet presAssocID="{19EC3A80-6145-4484-A953-3387DB218F0B}" presName="parentText" presStyleLbl="node1" presStyleIdx="2" presStyleCnt="8">
@@ -1482,6 +1516,13 @@
     <dgm:pt modelId="{AFF117B3-38D2-4A9C-8ECB-A27F435BCCF7}" type="pres">
       <dgm:prSet presAssocID="{A9AF323F-F9EE-4146-B196-6189CAF56303}" presName="parentLeftMargin" presStyleLbl="node1" presStyleIdx="2" presStyleCnt="8"/>
       <dgm:spPr/>
+      <dgm:t>
+        <a:bodyPr/>
+        <a:lstStyle/>
+        <a:p>
+          <a:endParaRPr lang="en-US"/>
+        </a:p>
+      </dgm:t>
     </dgm:pt>
     <dgm:pt modelId="{F3F6A904-5AE6-4DAD-B0DF-493B7F96D982}" type="pres">
       <dgm:prSet presAssocID="{A9AF323F-F9EE-4146-B196-6189CAF56303}" presName="parentText" presStyleLbl="node1" presStyleIdx="3" presStyleCnt="8">
@@ -1491,6 +1532,13 @@
         </dgm:presLayoutVars>
       </dgm:prSet>
       <dgm:spPr/>
+      <dgm:t>
+        <a:bodyPr/>
+        <a:lstStyle/>
+        <a:p>
+          <a:endParaRPr lang="en-US"/>
+        </a:p>
+      </dgm:t>
     </dgm:pt>
     <dgm:pt modelId="{D8FE04FA-F289-4484-A8FF-E1F46C08009E}" type="pres">
       <dgm:prSet presAssocID="{A9AF323F-F9EE-4146-B196-6189CAF56303}" presName="negativeSpace" presStyleCnt="0"/>
@@ -1529,6 +1577,13 @@
     <dgm:pt modelId="{82DC5F14-5F62-43A0-8732-5DD2F21C9A09}" type="pres">
       <dgm:prSet presAssocID="{26DAB487-9E29-4A36-B688-B00CE57BD079}" presName="parentLeftMargin" presStyleLbl="node1" presStyleIdx="3" presStyleCnt="8"/>
       <dgm:spPr/>
+      <dgm:t>
+        <a:bodyPr/>
+        <a:lstStyle/>
+        <a:p>
+          <a:endParaRPr lang="en-US"/>
+        </a:p>
+      </dgm:t>
     </dgm:pt>
     <dgm:pt modelId="{077DC47A-6D6B-47E3-AA10-C8B5B2E567EA}" type="pres">
       <dgm:prSet presAssocID="{26DAB487-9E29-4A36-B688-B00CE57BD079}" presName="parentText" presStyleLbl="node1" presStyleIdx="4" presStyleCnt="8">
@@ -1583,6 +1638,13 @@
     <dgm:pt modelId="{6AFE151B-0CC3-4592-AC4E-825B749E34CF}" type="pres">
       <dgm:prSet presAssocID="{E46B1643-DCD3-43EA-A010-93659DE5C12B}" presName="parentLeftMargin" presStyleLbl="node1" presStyleIdx="4" presStyleCnt="8"/>
       <dgm:spPr/>
+      <dgm:t>
+        <a:bodyPr/>
+        <a:lstStyle/>
+        <a:p>
+          <a:endParaRPr lang="en-US"/>
+        </a:p>
+      </dgm:t>
     </dgm:pt>
     <dgm:pt modelId="{EE0AD88A-8502-4FCE-8A9B-C9FD2B19FBE7}" type="pres">
       <dgm:prSet presAssocID="{E46B1643-DCD3-43EA-A010-93659DE5C12B}" presName="parentText" presStyleLbl="node1" presStyleIdx="5" presStyleCnt="8">
@@ -1637,6 +1699,13 @@
     <dgm:pt modelId="{6B53B4B1-481C-49BF-8924-47A159B211D3}" type="pres">
       <dgm:prSet presAssocID="{7D33EDD3-F8CA-4C5A-AF41-D3AF6CA7EB1C}" presName="parentLeftMargin" presStyleLbl="node1" presStyleIdx="5" presStyleCnt="8"/>
       <dgm:spPr/>
+      <dgm:t>
+        <a:bodyPr/>
+        <a:lstStyle/>
+        <a:p>
+          <a:endParaRPr lang="en-US"/>
+        </a:p>
+      </dgm:t>
     </dgm:pt>
     <dgm:pt modelId="{E0D8C341-A742-4801-BB09-6B4BED447111}" type="pres">
       <dgm:prSet presAssocID="{7D33EDD3-F8CA-4C5A-AF41-D3AF6CA7EB1C}" presName="parentText" presStyleLbl="node1" presStyleIdx="6" presStyleCnt="8">
@@ -1646,6 +1715,13 @@
         </dgm:presLayoutVars>
       </dgm:prSet>
       <dgm:spPr/>
+      <dgm:t>
+        <a:bodyPr/>
+        <a:lstStyle/>
+        <a:p>
+          <a:endParaRPr lang="en-US"/>
+        </a:p>
+      </dgm:t>
     </dgm:pt>
     <dgm:pt modelId="{00FD812C-020A-461B-9060-E6F36848638F}" type="pres">
       <dgm:prSet presAssocID="{7D33EDD3-F8CA-4C5A-AF41-D3AF6CA7EB1C}" presName="negativeSpace" presStyleCnt="0"/>
@@ -1684,6 +1760,13 @@
     <dgm:pt modelId="{54BA2FB7-414F-4A55-A817-F31ABACBFECF}" type="pres">
       <dgm:prSet presAssocID="{FDE14928-E3AD-4580-BC34-0397EE5825CC}" presName="parentLeftMargin" presStyleLbl="node1" presStyleIdx="6" presStyleCnt="8"/>
       <dgm:spPr/>
+      <dgm:t>
+        <a:bodyPr/>
+        <a:lstStyle/>
+        <a:p>
+          <a:endParaRPr lang="en-US"/>
+        </a:p>
+      </dgm:t>
     </dgm:pt>
     <dgm:pt modelId="{09C83644-FA59-433E-A446-0ADAC8946CCD}" type="pres">
       <dgm:prSet presAssocID="{FDE14928-E3AD-4580-BC34-0397EE5825CC}" presName="parentText" presStyleLbl="node1" presStyleIdx="7" presStyleCnt="8">
@@ -1693,6 +1776,13 @@
         </dgm:presLayoutVars>
       </dgm:prSet>
       <dgm:spPr/>
+      <dgm:t>
+        <a:bodyPr/>
+        <a:lstStyle/>
+        <a:p>
+          <a:endParaRPr lang="en-US"/>
+        </a:p>
+      </dgm:t>
     </dgm:pt>
     <dgm:pt modelId="{19AFC3C5-79D0-4821-914E-8A09FF57C536}" type="pres">
       <dgm:prSet presAssocID="{FDE14928-E3AD-4580-BC34-0397EE5825CC}" presName="negativeSpace" presStyleCnt="0"/>
@@ -4166,7 +4256,7 @@
           <a:p>
             <a:fld id="{AB5EF495-2344-44BD-AED2-557EA1FF1211}" type="datetimeFigureOut">
               <a:rPr lang="en-US" smtClean="0"/>
-              <a:t>6/4/2017</a:t>
+              <a:t>6/6/2017</a:t>
             </a:fld>
             <a:endParaRPr lang="en-US"/>
           </a:p>
@@ -4352,7 +4442,7 @@
           <a:p>
             <a:fld id="{AB5EF495-2344-44BD-AED2-557EA1FF1211}" type="datetimeFigureOut">
               <a:rPr lang="en-US" smtClean="0"/>
-              <a:t>6/4/2017</a:t>
+              <a:t>6/6/2017</a:t>
             </a:fld>
             <a:endParaRPr lang="en-US"/>
           </a:p>
@@ -4534,7 +4624,7 @@
           <a:p>
             <a:fld id="{AB5EF495-2344-44BD-AED2-557EA1FF1211}" type="datetimeFigureOut">
               <a:rPr lang="en-US" smtClean="0"/>
-              <a:t>6/4/2017</a:t>
+              <a:t>6/6/2017</a:t>
             </a:fld>
             <a:endParaRPr lang="en-US"/>
           </a:p>
@@ -4727,7 +4817,7 @@
           <a:p>
             <a:fld id="{AB5EF495-2344-44BD-AED2-557EA1FF1211}" type="datetimeFigureOut">
               <a:rPr lang="en-US" smtClean="0"/>
-              <a:t>6/4/2017</a:t>
+              <a:t>6/6/2017</a:t>
             </a:fld>
             <a:endParaRPr lang="en-US"/>
           </a:p>
@@ -4853,7 +4943,7 @@
           <a:p>
             <a:fld id="{AB5EF495-2344-44BD-AED2-557EA1FF1211}" type="datetimeFigureOut">
               <a:rPr lang="en-US" smtClean="0"/>
-              <a:t>6/4/2017</a:t>
+              <a:t>6/6/2017</a:t>
             </a:fld>
             <a:endParaRPr lang="en-US"/>
           </a:p>
@@ -5242,7 +5332,7 @@
           <a:p>
             <a:fld id="{AB5EF495-2344-44BD-AED2-557EA1FF1211}" type="datetimeFigureOut">
               <a:rPr lang="en-US" smtClean="0"/>
-              <a:t>6/4/2017</a:t>
+              <a:t>6/6/2017</a:t>
             </a:fld>
             <a:endParaRPr lang="en-US"/>
           </a:p>
@@ -5687,7 +5777,7 @@
           <a:p>
             <a:fld id="{AB5EF495-2344-44BD-AED2-557EA1FF1211}" type="datetimeFigureOut">
               <a:rPr lang="en-US" smtClean="0"/>
-              <a:t>6/4/2017</a:t>
+              <a:t>6/6/2017</a:t>
             </a:fld>
             <a:endParaRPr lang="en-US"/>
           </a:p>
@@ -5812,7 +5902,7 @@
           <a:p>
             <a:fld id="{AB5EF495-2344-44BD-AED2-557EA1FF1211}" type="datetimeFigureOut">
               <a:rPr lang="en-US" smtClean="0"/>
-              <a:t>6/4/2017</a:t>
+              <a:t>6/6/2017</a:t>
             </a:fld>
             <a:endParaRPr lang="en-US"/>
           </a:p>
@@ -5909,7 +5999,7 @@
           <a:p>
             <a:fld id="{AB5EF495-2344-44BD-AED2-557EA1FF1211}" type="datetimeFigureOut">
               <a:rPr lang="en-US" smtClean="0"/>
-              <a:t>6/4/2017</a:t>
+              <a:t>6/6/2017</a:t>
             </a:fld>
             <a:endParaRPr lang="en-US"/>
           </a:p>
@@ -6200,7 +6290,7 @@
           <a:p>
             <a:fld id="{AB5EF495-2344-44BD-AED2-557EA1FF1211}" type="datetimeFigureOut">
               <a:rPr lang="en-US" smtClean="0"/>
-              <a:t>6/4/2017</a:t>
+              <a:t>6/6/2017</a:t>
             </a:fld>
             <a:endParaRPr lang="en-US"/>
           </a:p>
@@ -6469,7 +6559,7 @@
           <a:p>
             <a:fld id="{AB5EF495-2344-44BD-AED2-557EA1FF1211}" type="datetimeFigureOut">
               <a:rPr lang="en-US" smtClean="0"/>
-              <a:t>6/4/2017</a:t>
+              <a:t>6/6/2017</a:t>
             </a:fld>
             <a:endParaRPr lang="en-US"/>
           </a:p>
@@ -6751,7 +6841,7 @@
           <a:p>
             <a:fld id="{AB5EF495-2344-44BD-AED2-557EA1FF1211}" type="datetimeFigureOut">
               <a:rPr lang="en-US" smtClean="0"/>
-              <a:t>6/4/2017</a:t>
+              <a:t>6/6/2017</a:t>
             </a:fld>
             <a:endParaRPr lang="en-US"/>
           </a:p>
@@ -7277,8 +7367,9 @@
             <a:pPr lvl="2"/>
             <a:r>
               <a:rPr lang="en-US" sz="2000" dirty="0" smtClean="0"/>
-              <a:t>Make sure resources will be used (not part of project though)</a:t>
-            </a:r>
+              <a:t>Usage of Kids Rock room for testing</a:t>
+            </a:r>
+            <a:endParaRPr lang="en-US" sz="2000" dirty="0" smtClean="0"/>
           </a:p>
           <a:p>
             <a:pPr marL="0" indent="0">
@@ -7380,102 +7471,6 @@
     <p:extLst>
       <p:ext uri="{BB962C8B-B14F-4D97-AF65-F5344CB8AC3E}">
         <p14:creationId xmlns:p14="http://schemas.microsoft.com/office/powerpoint/2010/main" val="876946178"/>
-      </p:ext>
-    </p:extLst>
-  </p:cSld>
-  <p:clrMapOvr>
-    <a:masterClrMapping/>
-  </p:clrMapOvr>
-  <p:timing>
-    <p:tnLst>
-      <p:par>
-        <p:cTn id="1" dur="indefinite" restart="never" nodeType="tmRoot"/>
-      </p:par>
-    </p:tnLst>
-  </p:timing>
-</p:sld>
-</file>
-
-<file path=ppt/slides/slide11.xml><?xml version="1.0" encoding="utf-8"?>
-<p:sld xmlns:a="http://schemas.openxmlformats.org/drawingml/2006/main" xmlns:r="http://schemas.openxmlformats.org/officeDocument/2006/relationships" xmlns:p="http://schemas.openxmlformats.org/presentationml/2006/main">
-  <p:cSld>
-    <p:spTree>
-      <p:nvGrpSpPr>
-        <p:cNvPr id="1" name=""/>
-        <p:cNvGrpSpPr/>
-        <p:nvPr/>
-      </p:nvGrpSpPr>
-      <p:grpSpPr>
-        <a:xfrm>
-          <a:off x="0" y="0"/>
-          <a:ext cx="0" cy="0"/>
-          <a:chOff x="0" y="0"/>
-          <a:chExt cx="0" cy="0"/>
-        </a:xfrm>
-      </p:grpSpPr>
-      <p:sp>
-        <p:nvSpPr>
-          <p:cNvPr id="5" name="Title 4"/>
-          <p:cNvSpPr>
-            <a:spLocks noGrp="1"/>
-          </p:cNvSpPr>
-          <p:nvPr>
-            <p:ph type="title"/>
-          </p:nvPr>
-        </p:nvSpPr>
-        <p:spPr/>
-        <p:txBody>
-          <a:bodyPr/>
-          <a:lstStyle/>
-          <a:p>
-            <a:endParaRPr lang="en-US"/>
-          </a:p>
-        </p:txBody>
-      </p:sp>
-      <p:sp>
-        <p:nvSpPr>
-          <p:cNvPr id="6" name="Rectangle 5"/>
-          <p:cNvSpPr/>
-          <p:nvPr/>
-        </p:nvSpPr>
-        <p:spPr>
-          <a:xfrm>
-            <a:off x="-304800" y="-76200"/>
-            <a:ext cx="10820400" cy="7391400"/>
-          </a:xfrm>
-          <a:prstGeom prst="rect">
-            <a:avLst/>
-          </a:prstGeom>
-        </p:spPr>
-        <p:style>
-          <a:lnRef idx="2">
-            <a:schemeClr val="dk1">
-              <a:shade val="50000"/>
-            </a:schemeClr>
-          </a:lnRef>
-          <a:fillRef idx="1">
-            <a:schemeClr val="dk1"/>
-          </a:fillRef>
-          <a:effectRef idx="0">
-            <a:schemeClr val="dk1"/>
-          </a:effectRef>
-          <a:fontRef idx="minor">
-            <a:schemeClr val="lt1"/>
-          </a:fontRef>
-        </p:style>
-        <p:txBody>
-          <a:bodyPr rtlCol="0" anchor="ctr"/>
-          <a:lstStyle/>
-          <a:p>
-            <a:pPr algn="ctr"/>
-            <a:endParaRPr lang="en-US"/>
-          </a:p>
-        </p:txBody>
-      </p:sp>
-    </p:spTree>
-    <p:extLst>
-      <p:ext uri="{BB962C8B-B14F-4D97-AF65-F5344CB8AC3E}">
-        <p14:creationId xmlns:p14="http://schemas.microsoft.com/office/powerpoint/2010/main" val="2114285896"/>
       </p:ext>
     </p:extLst>
   </p:cSld>
@@ -9132,7 +9127,7 @@
           </a:xfrm>
           <a:ln>
             <a:solidFill>
-              <a:schemeClr val="tx1"/>
+              <a:schemeClr val="accent2"/>
             </a:solidFill>
           </a:ln>
         </p:spPr>
@@ -9219,7 +9214,7 @@
           </a:prstGeom>
           <a:ln>
             <a:solidFill>
-              <a:schemeClr val="tx1"/>
+              <a:schemeClr val="accent2"/>
             </a:solidFill>
           </a:ln>
         </p:spPr>
@@ -9525,7 +9520,7 @@
           </a:prstGeom>
           <a:ln>
             <a:solidFill>
-              <a:schemeClr val="tx1"/>
+              <a:schemeClr val="accent2"/>
             </a:solidFill>
           </a:ln>
         </p:spPr>
